--- a/ppt/MLOps09-Container.pptx
+++ b/ppt/MLOps09-Container.pptx
@@ -5986,8 +5986,13 @@
           <a:p>
             <a:r>
               <a:rPr lang="fr-FR" dirty="0"/>
-              <a:t>Docker compose up</a:t>
-            </a:r>
+              <a:t>Docker compose up --</a:t>
+            </a:r>
+            <a:r>
+              <a:rPr lang="fr-FR" dirty="0" err="1"/>
+              <a:t>build</a:t>
+            </a:r>
+            <a:endParaRPr lang="fr-FR" dirty="0"/>
           </a:p>
           <a:p>
             <a:endParaRPr lang="fr-FR" dirty="0"/>
@@ -6613,6 +6618,28 @@
               <a:rPr lang="fr-FR" dirty="0"/>
               <a:t>Permet de monter un dossier hôte sur le docker</a:t>
             </a:r>
+          </a:p>
+          <a:p>
+            <a:pPr lvl="1"/>
+            <a:r>
+              <a:rPr lang="fr-FR" dirty="0"/>
+              <a:t>Par exemple pour stocker les logs</a:t>
+            </a:r>
+          </a:p>
+          <a:p>
+            <a:pPr lvl="1"/>
+            <a:r>
+              <a:rPr lang="fr-FR" dirty="0"/>
+              <a:t> volumes:</a:t>
+            </a:r>
+          </a:p>
+          <a:p>
+            <a:pPr lvl="1"/>
+            <a:r>
+              <a:rPr lang="fr-FR"/>
+              <a:t>      - ./logs:/app/logs</a:t>
+            </a:r>
+            <a:endParaRPr lang="fr-FR" dirty="0"/>
           </a:p>
         </p:txBody>
       </p:sp>

--- a/ppt/MLOps09-Container.pptx
+++ b/ppt/MLOps09-Container.pptx
@@ -7751,11 +7751,57 @@
             <a:pPr lvl="1"/>
             <a:r>
               <a:rPr lang="fr-FR" dirty="0"/>
-              <a:t>Solution Cloud</a:t>
-            </a:r>
+              <a:t>Up </a:t>
+            </a:r>
+            <a:r>
+              <a:rPr lang="fr-FR" dirty="0" err="1"/>
+              <a:t>Scaling</a:t>
+            </a:r>
+            <a:endParaRPr lang="fr-FR" dirty="0"/>
           </a:p>
           <a:p>
             <a:pPr lvl="1"/>
+            <a:r>
+              <a:rPr lang="fr-FR" dirty="0"/>
+              <a:t>Par </a:t>
+            </a:r>
+            <a:r>
+              <a:rPr lang="fr-FR" dirty="0" err="1"/>
+              <a:t>horaitre</a:t>
+            </a:r>
+            <a:endParaRPr lang="fr-FR" dirty="0"/>
+          </a:p>
+          <a:p>
+            <a:pPr lvl="1"/>
+            <a:r>
+              <a:rPr lang="fr-FR" dirty="0"/>
+              <a:t>Par charge</a:t>
+            </a:r>
+          </a:p>
+          <a:p>
+            <a:pPr lvl="1"/>
+            <a:r>
+              <a:rPr lang="fr-FR" dirty="0"/>
+              <a:t>Gestion de la panne</a:t>
+            </a:r>
+          </a:p>
+          <a:p>
+            <a:r>
+              <a:rPr lang="fr-FR" dirty="0"/>
+              <a:t>Mise en production à chaud</a:t>
+            </a:r>
+          </a:p>
+          <a:p>
+            <a:r>
+              <a:rPr lang="fr-FR"/>
+              <a:t>Solutions </a:t>
+            </a:r>
+            <a:r>
+              <a:rPr lang="fr-FR" dirty="0"/>
+              <a:t>Cloud</a:t>
+            </a:r>
+          </a:p>
+          <a:p>
             <a:r>
               <a:rPr lang="fr-FR" dirty="0" err="1"/>
               <a:t>Kubernetes</a:t>

--- a/ppt/MLOps09-Container.pptx
+++ b/ppt/MLOps09-Container.pptx
@@ -5372,15 +5372,7 @@
             <a:pPr lvl="1"/>
             <a:r>
               <a:rPr lang="fr-FR" dirty="0"/>
-              <a:t>Installer les </a:t>
-            </a:r>
-            <a:r>
-              <a:rPr lang="fr-FR" dirty="0" err="1"/>
-              <a:t>bibilothèques</a:t>
-            </a:r>
-            <a:r>
-              <a:rPr lang="fr-FR" dirty="0"/>
-              <a:t> C : run apt-get </a:t>
+              <a:t>Installer les bibliothèques C : run apt-get </a:t>
             </a:r>
             <a:r>
               <a:rPr lang="fr-FR" dirty="0" err="1"/>
@@ -5406,7 +5398,10 @@
               <a:rPr lang="fr-FR" dirty="0" err="1"/>
               <a:t>install</a:t>
             </a:r>
-            <a:endParaRPr lang="fr-FR" dirty="0"/>
+            <a:r>
+              <a:rPr lang="fr-FR" dirty="0"/>
+              <a:t> module</a:t>
+            </a:r>
           </a:p>
           <a:p>
             <a:pPr lvl="1"/>

--- a/ppt/MLOps09-Container.pptx
+++ b/ppt/MLOps09-Container.pptx
@@ -4462,13 +4462,8 @@
             <a:pPr lvl="1"/>
             <a:r>
               <a:rPr lang="fr-FR" dirty="0"/>
-              <a:t>Docker </a:t>
-            </a:r>
-            <a:r>
-              <a:rPr lang="fr-FR" dirty="0" err="1"/>
-              <a:t>Descktop</a:t>
-            </a:r>
-            <a:endParaRPr lang="fr-FR" dirty="0"/>
+              <a:t>Docker Desktop</a:t>
+            </a:r>
           </a:p>
         </p:txBody>
       </p:sp>
@@ -5252,19 +5247,27 @@
           <a:p>
             <a:r>
               <a:rPr lang="fr-FR" dirty="0"/>
-              <a:t>Docker </a:t>
+              <a:t>docker </a:t>
             </a:r>
             <a:r>
               <a:rPr lang="fr-FR" dirty="0" err="1"/>
               <a:t>build</a:t>
             </a:r>
+            <a:r>
+              <a:rPr lang="fr-FR" dirty="0"/>
+              <a:t> -t hello .</a:t>
+            </a:r>
+          </a:p>
+          <a:p>
+            <a:r>
+              <a:rPr lang="fr-FR" dirty="0"/>
+              <a:t>Docker </a:t>
+            </a:r>
+            <a:r>
+              <a:rPr lang="fr-FR"/>
+              <a:t>run hello</a:t>
+            </a:r>
             <a:endParaRPr lang="fr-FR" dirty="0"/>
-          </a:p>
-          <a:p>
-            <a:r>
-              <a:rPr lang="fr-FR" dirty="0"/>
-              <a:t>Docker run</a:t>
-            </a:r>
           </a:p>
           <a:p>
             <a:r>

--- a/ppt/MLOps09-Container.pptx
+++ b/ppt/MLOps09-Container.pptx
@@ -5261,13 +5261,8 @@
           <a:p>
             <a:r>
               <a:rPr lang="fr-FR" dirty="0"/>
-              <a:t>Docker </a:t>
-            </a:r>
-            <a:r>
-              <a:rPr lang="fr-FR"/>
-              <a:t>run hello</a:t>
-            </a:r>
-            <a:endParaRPr lang="fr-FR" dirty="0"/>
+              <a:t>Docker run hello</a:t>
+            </a:r>
           </a:p>
           <a:p>
             <a:r>
@@ -5984,7 +5979,7 @@
           <a:p>
             <a:r>
               <a:rPr lang="fr-FR" dirty="0"/>
-              <a:t>Docker compose up --</a:t>
+              <a:t>Docker-compose up --</a:t>
             </a:r>
             <a:r>
               <a:rPr lang="fr-FR" dirty="0" err="1"/>
@@ -7761,13 +7756,8 @@
             <a:pPr lvl="1"/>
             <a:r>
               <a:rPr lang="fr-FR" dirty="0"/>
-              <a:t>Par </a:t>
-            </a:r>
-            <a:r>
-              <a:rPr lang="fr-FR" dirty="0" err="1"/>
-              <a:t>horaitre</a:t>
-            </a:r>
-            <a:endParaRPr lang="fr-FR" dirty="0"/>
+              <a:t>Par horaire</a:t>
+            </a:r>
           </a:p>
           <a:p>
             <a:pPr lvl="1"/>
@@ -7791,12 +7781,8 @@
           </a:p>
           <a:p>
             <a:r>
-              <a:rPr lang="fr-FR"/>
-              <a:t>Solutions </a:t>
-            </a:r>
-            <a:r>
-              <a:rPr lang="fr-FR" dirty="0"/>
-              <a:t>Cloud</a:t>
+              <a:rPr lang="fr-FR" dirty="0"/>
+              <a:t>Solutions Cloud</a:t>
             </a:r>
           </a:p>
           <a:p>
